--- a/06_CinematiquePoint/Applications_02_TransmissionNAO/images/Figures.pptx
+++ b/06_CinematiquePoint/Applications_02_TransmissionNAO/images/Figures.pptx
@@ -7,7 +7,9 @@
   <p:sldIdLst>
     <p:sldId id="256" r:id="rId2"/>
     <p:sldId id="258" r:id="rId3"/>
-    <p:sldId id="257" r:id="rId4"/>
+    <p:sldId id="259" r:id="rId4"/>
+    <p:sldId id="260" r:id="rId5"/>
+    <p:sldId id="257" r:id="rId6"/>
   </p:sldIdLst>
   <p:sldSz cx="9144000" cy="6858000" type="screen4x3"/>
   <p:notesSz cx="6858000" cy="9144000"/>
@@ -106,6 +108,22 @@
       </a:defRPr>
     </a:lvl9pPr>
   </p:defaultTextStyle>
+  <p:extLst>
+    <p:ext uri="{EFAFB233-063F-42B5-8137-9DF3F51BA10A}">
+      <p15:sldGuideLst xmlns:p15="http://schemas.microsoft.com/office/powerpoint/2012/main">
+        <p15:guide id="1" orient="horz" pos="2160">
+          <p15:clr>
+            <a:srgbClr val="A4A3A4"/>
+          </p15:clr>
+        </p15:guide>
+        <p15:guide id="2" pos="2880">
+          <p15:clr>
+            <a:srgbClr val="A4A3A4"/>
+          </p15:clr>
+        </p15:guide>
+      </p15:sldGuideLst>
+    </p:ext>
+  </p:extLst>
 </p:presentation>
 </file>
 
@@ -147,7 +165,7 @@
           <a:lstStyle/>
           <a:p>
             <a:r>
-              <a:rPr lang="fr-FR" smtClean="0"/>
+              <a:rPr lang="fr-FR"/>
               <a:t>Cliquez pour modifier le style du titre</a:t>
             </a:r>
             <a:endParaRPr lang="fr-BE"/>
@@ -266,7 +284,7 @@
           </a:lstStyle>
           <a:p>
             <a:r>
-              <a:rPr lang="fr-FR" smtClean="0"/>
+              <a:rPr lang="fr-FR"/>
               <a:t>Cliquez pour modifier le style des sous-titres du masque</a:t>
             </a:r>
             <a:endParaRPr lang="fr-BE"/>
@@ -291,7 +309,7 @@
             <a:fld id="{AA309A6D-C09C-4548-B29A-6CF363A7E532}" type="datetimeFigureOut">
               <a:rPr lang="fr-FR" smtClean="0"/>
               <a:pPr/>
-              <a:t>02/12/2014</a:t>
+              <a:t>30/01/2019</a:t>
             </a:fld>
             <a:endParaRPr lang="fr-BE"/>
           </a:p>
@@ -381,7 +399,7 @@
           <a:lstStyle/>
           <a:p>
             <a:r>
-              <a:rPr lang="fr-FR" smtClean="0"/>
+              <a:rPr lang="fr-FR"/>
               <a:t>Cliquez pour modifier le style du titre</a:t>
             </a:r>
             <a:endParaRPr lang="fr-BE"/>
@@ -405,35 +423,35 @@
           <a:p>
             <a:pPr lvl="0"/>
             <a:r>
-              <a:rPr lang="fr-FR" smtClean="0"/>
+              <a:rPr lang="fr-FR"/>
               <a:t>Cliquez pour modifier les styles du texte du masque</a:t>
             </a:r>
           </a:p>
           <a:p>
             <a:pPr lvl="1"/>
             <a:r>
-              <a:rPr lang="fr-FR" smtClean="0"/>
+              <a:rPr lang="fr-FR"/>
               <a:t>Deuxième niveau</a:t>
             </a:r>
           </a:p>
           <a:p>
             <a:pPr lvl="2"/>
             <a:r>
-              <a:rPr lang="fr-FR" smtClean="0"/>
+              <a:rPr lang="fr-FR"/>
               <a:t>Troisième niveau</a:t>
             </a:r>
           </a:p>
           <a:p>
             <a:pPr lvl="3"/>
             <a:r>
-              <a:rPr lang="fr-FR" smtClean="0"/>
+              <a:rPr lang="fr-FR"/>
               <a:t>Quatrième niveau</a:t>
             </a:r>
           </a:p>
           <a:p>
             <a:pPr lvl="4"/>
             <a:r>
-              <a:rPr lang="fr-FR" smtClean="0"/>
+              <a:rPr lang="fr-FR"/>
               <a:t>Cinquième niveau</a:t>
             </a:r>
             <a:endParaRPr lang="fr-BE"/>
@@ -458,7 +476,7 @@
             <a:fld id="{AA309A6D-C09C-4548-B29A-6CF363A7E532}" type="datetimeFigureOut">
               <a:rPr lang="fr-FR" smtClean="0"/>
               <a:pPr/>
-              <a:t>02/12/2014</a:t>
+              <a:t>30/01/2019</a:t>
             </a:fld>
             <a:endParaRPr lang="fr-BE"/>
           </a:p>
@@ -553,7 +571,7 @@
           <a:lstStyle/>
           <a:p>
             <a:r>
-              <a:rPr lang="fr-FR" smtClean="0"/>
+              <a:rPr lang="fr-FR"/>
               <a:t>Cliquez pour modifier le style du titre</a:t>
             </a:r>
             <a:endParaRPr lang="fr-BE"/>
@@ -582,35 +600,35 @@
           <a:p>
             <a:pPr lvl="0"/>
             <a:r>
-              <a:rPr lang="fr-FR" smtClean="0"/>
+              <a:rPr lang="fr-FR"/>
               <a:t>Cliquez pour modifier les styles du texte du masque</a:t>
             </a:r>
           </a:p>
           <a:p>
             <a:pPr lvl="1"/>
             <a:r>
-              <a:rPr lang="fr-FR" smtClean="0"/>
+              <a:rPr lang="fr-FR"/>
               <a:t>Deuxième niveau</a:t>
             </a:r>
           </a:p>
           <a:p>
             <a:pPr lvl="2"/>
             <a:r>
-              <a:rPr lang="fr-FR" smtClean="0"/>
+              <a:rPr lang="fr-FR"/>
               <a:t>Troisième niveau</a:t>
             </a:r>
           </a:p>
           <a:p>
             <a:pPr lvl="3"/>
             <a:r>
-              <a:rPr lang="fr-FR" smtClean="0"/>
+              <a:rPr lang="fr-FR"/>
               <a:t>Quatrième niveau</a:t>
             </a:r>
           </a:p>
           <a:p>
             <a:pPr lvl="4"/>
             <a:r>
-              <a:rPr lang="fr-FR" smtClean="0"/>
+              <a:rPr lang="fr-FR"/>
               <a:t>Cinquième niveau</a:t>
             </a:r>
             <a:endParaRPr lang="fr-BE"/>
@@ -635,7 +653,7 @@
             <a:fld id="{AA309A6D-C09C-4548-B29A-6CF363A7E532}" type="datetimeFigureOut">
               <a:rPr lang="fr-FR" smtClean="0"/>
               <a:pPr/>
-              <a:t>02/12/2014</a:t>
+              <a:t>30/01/2019</a:t>
             </a:fld>
             <a:endParaRPr lang="fr-BE"/>
           </a:p>
@@ -725,7 +743,7 @@
           <a:lstStyle/>
           <a:p>
             <a:r>
-              <a:rPr lang="fr-FR" smtClean="0"/>
+              <a:rPr lang="fr-FR"/>
               <a:t>Cliquez pour modifier le style du titre</a:t>
             </a:r>
             <a:endParaRPr lang="fr-BE"/>
@@ -749,35 +767,35 @@
           <a:p>
             <a:pPr lvl="0"/>
             <a:r>
-              <a:rPr lang="fr-FR" smtClean="0"/>
+              <a:rPr lang="fr-FR"/>
               <a:t>Cliquez pour modifier les styles du texte du masque</a:t>
             </a:r>
           </a:p>
           <a:p>
             <a:pPr lvl="1"/>
             <a:r>
-              <a:rPr lang="fr-FR" smtClean="0"/>
+              <a:rPr lang="fr-FR"/>
               <a:t>Deuxième niveau</a:t>
             </a:r>
           </a:p>
           <a:p>
             <a:pPr lvl="2"/>
             <a:r>
-              <a:rPr lang="fr-FR" smtClean="0"/>
+              <a:rPr lang="fr-FR"/>
               <a:t>Troisième niveau</a:t>
             </a:r>
           </a:p>
           <a:p>
             <a:pPr lvl="3"/>
             <a:r>
-              <a:rPr lang="fr-FR" smtClean="0"/>
+              <a:rPr lang="fr-FR"/>
               <a:t>Quatrième niveau</a:t>
             </a:r>
           </a:p>
           <a:p>
             <a:pPr lvl="4"/>
             <a:r>
-              <a:rPr lang="fr-FR" smtClean="0"/>
+              <a:rPr lang="fr-FR"/>
               <a:t>Cinquième niveau</a:t>
             </a:r>
             <a:endParaRPr lang="fr-BE"/>
@@ -802,7 +820,7 @@
             <a:fld id="{AA309A6D-C09C-4548-B29A-6CF363A7E532}" type="datetimeFigureOut">
               <a:rPr lang="fr-FR" smtClean="0"/>
               <a:pPr/>
-              <a:t>02/12/2014</a:t>
+              <a:t>30/01/2019</a:t>
             </a:fld>
             <a:endParaRPr lang="fr-BE"/>
           </a:p>
@@ -901,7 +919,7 @@
           </a:lstStyle>
           <a:p>
             <a:r>
-              <a:rPr lang="fr-FR" smtClean="0"/>
+              <a:rPr lang="fr-FR"/>
               <a:t>Cliquez pour modifier le style du titre</a:t>
             </a:r>
             <a:endParaRPr lang="fr-BE"/>
@@ -1021,7 +1039,7 @@
           <a:p>
             <a:pPr lvl="0"/>
             <a:r>
-              <a:rPr lang="fr-FR" smtClean="0"/>
+              <a:rPr lang="fr-FR"/>
               <a:t>Cliquez pour modifier les styles du texte du masque</a:t>
             </a:r>
           </a:p>
@@ -1045,7 +1063,7 @@
             <a:fld id="{AA309A6D-C09C-4548-B29A-6CF363A7E532}" type="datetimeFigureOut">
               <a:rPr lang="fr-FR" smtClean="0"/>
               <a:pPr/>
-              <a:t>02/12/2014</a:t>
+              <a:t>30/01/2019</a:t>
             </a:fld>
             <a:endParaRPr lang="fr-BE"/>
           </a:p>
@@ -1135,7 +1153,7 @@
           <a:lstStyle/>
           <a:p>
             <a:r>
-              <a:rPr lang="fr-FR" smtClean="0"/>
+              <a:rPr lang="fr-FR"/>
               <a:t>Cliquez pour modifier le style du titre</a:t>
             </a:r>
             <a:endParaRPr lang="fr-BE"/>
@@ -1192,35 +1210,35 @@
           <a:p>
             <a:pPr lvl="0"/>
             <a:r>
-              <a:rPr lang="fr-FR" smtClean="0"/>
+              <a:rPr lang="fr-FR"/>
               <a:t>Cliquez pour modifier les styles du texte du masque</a:t>
             </a:r>
           </a:p>
           <a:p>
             <a:pPr lvl="1"/>
             <a:r>
-              <a:rPr lang="fr-FR" smtClean="0"/>
+              <a:rPr lang="fr-FR"/>
               <a:t>Deuxième niveau</a:t>
             </a:r>
           </a:p>
           <a:p>
             <a:pPr lvl="2"/>
             <a:r>
-              <a:rPr lang="fr-FR" smtClean="0"/>
+              <a:rPr lang="fr-FR"/>
               <a:t>Troisième niveau</a:t>
             </a:r>
           </a:p>
           <a:p>
             <a:pPr lvl="3"/>
             <a:r>
-              <a:rPr lang="fr-FR" smtClean="0"/>
+              <a:rPr lang="fr-FR"/>
               <a:t>Quatrième niveau</a:t>
             </a:r>
           </a:p>
           <a:p>
             <a:pPr lvl="4"/>
             <a:r>
-              <a:rPr lang="fr-FR" smtClean="0"/>
+              <a:rPr lang="fr-FR"/>
               <a:t>Cinquième niveau</a:t>
             </a:r>
             <a:endParaRPr lang="fr-BE"/>
@@ -1277,35 +1295,35 @@
           <a:p>
             <a:pPr lvl="0"/>
             <a:r>
-              <a:rPr lang="fr-FR" smtClean="0"/>
+              <a:rPr lang="fr-FR"/>
               <a:t>Cliquez pour modifier les styles du texte du masque</a:t>
             </a:r>
           </a:p>
           <a:p>
             <a:pPr lvl="1"/>
             <a:r>
-              <a:rPr lang="fr-FR" smtClean="0"/>
+              <a:rPr lang="fr-FR"/>
               <a:t>Deuxième niveau</a:t>
             </a:r>
           </a:p>
           <a:p>
             <a:pPr lvl="2"/>
             <a:r>
-              <a:rPr lang="fr-FR" smtClean="0"/>
+              <a:rPr lang="fr-FR"/>
               <a:t>Troisième niveau</a:t>
             </a:r>
           </a:p>
           <a:p>
             <a:pPr lvl="3"/>
             <a:r>
-              <a:rPr lang="fr-FR" smtClean="0"/>
+              <a:rPr lang="fr-FR"/>
               <a:t>Quatrième niveau</a:t>
             </a:r>
           </a:p>
           <a:p>
             <a:pPr lvl="4"/>
             <a:r>
-              <a:rPr lang="fr-FR" smtClean="0"/>
+              <a:rPr lang="fr-FR"/>
               <a:t>Cinquième niveau</a:t>
             </a:r>
             <a:endParaRPr lang="fr-BE"/>
@@ -1330,7 +1348,7 @@
             <a:fld id="{AA309A6D-C09C-4548-B29A-6CF363A7E532}" type="datetimeFigureOut">
               <a:rPr lang="fr-FR" smtClean="0"/>
               <a:pPr/>
-              <a:t>02/12/2014</a:t>
+              <a:t>30/01/2019</a:t>
             </a:fld>
             <a:endParaRPr lang="fr-BE"/>
           </a:p>
@@ -1424,7 +1442,7 @@
           </a:lstStyle>
           <a:p>
             <a:r>
-              <a:rPr lang="fr-FR" smtClean="0"/>
+              <a:rPr lang="fr-FR"/>
               <a:t>Cliquez pour modifier le style du titre</a:t>
             </a:r>
             <a:endParaRPr lang="fr-BE"/>
@@ -1490,7 +1508,7 @@
           <a:p>
             <a:pPr lvl="0"/>
             <a:r>
-              <a:rPr lang="fr-FR" smtClean="0"/>
+              <a:rPr lang="fr-FR"/>
               <a:t>Cliquez pour modifier les styles du texte du masque</a:t>
             </a:r>
           </a:p>
@@ -1546,35 +1564,35 @@
           <a:p>
             <a:pPr lvl="0"/>
             <a:r>
-              <a:rPr lang="fr-FR" smtClean="0"/>
+              <a:rPr lang="fr-FR"/>
               <a:t>Cliquez pour modifier les styles du texte du masque</a:t>
             </a:r>
           </a:p>
           <a:p>
             <a:pPr lvl="1"/>
             <a:r>
-              <a:rPr lang="fr-FR" smtClean="0"/>
+              <a:rPr lang="fr-FR"/>
               <a:t>Deuxième niveau</a:t>
             </a:r>
           </a:p>
           <a:p>
             <a:pPr lvl="2"/>
             <a:r>
-              <a:rPr lang="fr-FR" smtClean="0"/>
+              <a:rPr lang="fr-FR"/>
               <a:t>Troisième niveau</a:t>
             </a:r>
           </a:p>
           <a:p>
             <a:pPr lvl="3"/>
             <a:r>
-              <a:rPr lang="fr-FR" smtClean="0"/>
+              <a:rPr lang="fr-FR"/>
               <a:t>Quatrième niveau</a:t>
             </a:r>
           </a:p>
           <a:p>
             <a:pPr lvl="4"/>
             <a:r>
-              <a:rPr lang="fr-FR" smtClean="0"/>
+              <a:rPr lang="fr-FR"/>
               <a:t>Cinquième niveau</a:t>
             </a:r>
             <a:endParaRPr lang="fr-BE"/>
@@ -1640,7 +1658,7 @@
           <a:p>
             <a:pPr lvl="0"/>
             <a:r>
-              <a:rPr lang="fr-FR" smtClean="0"/>
+              <a:rPr lang="fr-FR"/>
               <a:t>Cliquez pour modifier les styles du texte du masque</a:t>
             </a:r>
           </a:p>
@@ -1696,35 +1714,35 @@
           <a:p>
             <a:pPr lvl="0"/>
             <a:r>
-              <a:rPr lang="fr-FR" smtClean="0"/>
+              <a:rPr lang="fr-FR"/>
               <a:t>Cliquez pour modifier les styles du texte du masque</a:t>
             </a:r>
           </a:p>
           <a:p>
             <a:pPr lvl="1"/>
             <a:r>
-              <a:rPr lang="fr-FR" smtClean="0"/>
+              <a:rPr lang="fr-FR"/>
               <a:t>Deuxième niveau</a:t>
             </a:r>
           </a:p>
           <a:p>
             <a:pPr lvl="2"/>
             <a:r>
-              <a:rPr lang="fr-FR" smtClean="0"/>
+              <a:rPr lang="fr-FR"/>
               <a:t>Troisième niveau</a:t>
             </a:r>
           </a:p>
           <a:p>
             <a:pPr lvl="3"/>
             <a:r>
-              <a:rPr lang="fr-FR" smtClean="0"/>
+              <a:rPr lang="fr-FR"/>
               <a:t>Quatrième niveau</a:t>
             </a:r>
           </a:p>
           <a:p>
             <a:pPr lvl="4"/>
             <a:r>
-              <a:rPr lang="fr-FR" smtClean="0"/>
+              <a:rPr lang="fr-FR"/>
               <a:t>Cinquième niveau</a:t>
             </a:r>
             <a:endParaRPr lang="fr-BE"/>
@@ -1749,7 +1767,7 @@
             <a:fld id="{AA309A6D-C09C-4548-B29A-6CF363A7E532}" type="datetimeFigureOut">
               <a:rPr lang="fr-FR" smtClean="0"/>
               <a:pPr/>
-              <a:t>02/12/2014</a:t>
+              <a:t>30/01/2019</a:t>
             </a:fld>
             <a:endParaRPr lang="fr-BE"/>
           </a:p>
@@ -1839,7 +1857,7 @@
           <a:lstStyle/>
           <a:p>
             <a:r>
-              <a:rPr lang="fr-FR" smtClean="0"/>
+              <a:rPr lang="fr-FR"/>
               <a:t>Cliquez pour modifier le style du titre</a:t>
             </a:r>
             <a:endParaRPr lang="fr-BE"/>
@@ -1864,7 +1882,7 @@
             <a:fld id="{AA309A6D-C09C-4548-B29A-6CF363A7E532}" type="datetimeFigureOut">
               <a:rPr lang="fr-FR" smtClean="0"/>
               <a:pPr/>
-              <a:t>02/12/2014</a:t>
+              <a:t>30/01/2019</a:t>
             </a:fld>
             <a:endParaRPr lang="fr-BE"/>
           </a:p>
@@ -1956,7 +1974,7 @@
             <a:fld id="{AA309A6D-C09C-4548-B29A-6CF363A7E532}" type="datetimeFigureOut">
               <a:rPr lang="fr-FR" smtClean="0"/>
               <a:pPr/>
-              <a:t>02/12/2014</a:t>
+              <a:t>30/01/2019</a:t>
             </a:fld>
             <a:endParaRPr lang="fr-BE"/>
           </a:p>
@@ -2055,7 +2073,7 @@
           </a:lstStyle>
           <a:p>
             <a:r>
-              <a:rPr lang="fr-FR" smtClean="0"/>
+              <a:rPr lang="fr-FR"/>
               <a:t>Cliquez pour modifier le style du titre</a:t>
             </a:r>
             <a:endParaRPr lang="fr-BE"/>
@@ -2112,35 +2130,35 @@
           <a:p>
             <a:pPr lvl="0"/>
             <a:r>
-              <a:rPr lang="fr-FR" smtClean="0"/>
+              <a:rPr lang="fr-FR"/>
               <a:t>Cliquez pour modifier les styles du texte du masque</a:t>
             </a:r>
           </a:p>
           <a:p>
             <a:pPr lvl="1"/>
             <a:r>
-              <a:rPr lang="fr-FR" smtClean="0"/>
+              <a:rPr lang="fr-FR"/>
               <a:t>Deuxième niveau</a:t>
             </a:r>
           </a:p>
           <a:p>
             <a:pPr lvl="2"/>
             <a:r>
-              <a:rPr lang="fr-FR" smtClean="0"/>
+              <a:rPr lang="fr-FR"/>
               <a:t>Troisième niveau</a:t>
             </a:r>
           </a:p>
           <a:p>
             <a:pPr lvl="3"/>
             <a:r>
-              <a:rPr lang="fr-FR" smtClean="0"/>
+              <a:rPr lang="fr-FR"/>
               <a:t>Quatrième niveau</a:t>
             </a:r>
           </a:p>
           <a:p>
             <a:pPr lvl="4"/>
             <a:r>
-              <a:rPr lang="fr-FR" smtClean="0"/>
+              <a:rPr lang="fr-FR"/>
               <a:t>Cinquième niveau</a:t>
             </a:r>
             <a:endParaRPr lang="fr-BE"/>
@@ -2206,7 +2224,7 @@
           <a:p>
             <a:pPr lvl="0"/>
             <a:r>
-              <a:rPr lang="fr-FR" smtClean="0"/>
+              <a:rPr lang="fr-FR"/>
               <a:t>Cliquez pour modifier les styles du texte du masque</a:t>
             </a:r>
           </a:p>
@@ -2230,7 +2248,7 @@
             <a:fld id="{AA309A6D-C09C-4548-B29A-6CF363A7E532}" type="datetimeFigureOut">
               <a:rPr lang="fr-FR" smtClean="0"/>
               <a:pPr/>
-              <a:t>02/12/2014</a:t>
+              <a:t>30/01/2019</a:t>
             </a:fld>
             <a:endParaRPr lang="fr-BE"/>
           </a:p>
@@ -2329,7 +2347,7 @@
           </a:lstStyle>
           <a:p>
             <a:r>
-              <a:rPr lang="fr-FR" smtClean="0"/>
+              <a:rPr lang="fr-FR"/>
               <a:t>Cliquez pour modifier le style du titre</a:t>
             </a:r>
             <a:endParaRPr lang="fr-BE"/>
@@ -2456,7 +2474,7 @@
           <a:p>
             <a:pPr lvl="0"/>
             <a:r>
-              <a:rPr lang="fr-FR" smtClean="0"/>
+              <a:rPr lang="fr-FR"/>
               <a:t>Cliquez pour modifier les styles du texte du masque</a:t>
             </a:r>
           </a:p>
@@ -2480,7 +2498,7 @@
             <a:fld id="{AA309A6D-C09C-4548-B29A-6CF363A7E532}" type="datetimeFigureOut">
               <a:rPr lang="fr-FR" smtClean="0"/>
               <a:pPr/>
-              <a:t>02/12/2014</a:t>
+              <a:t>30/01/2019</a:t>
             </a:fld>
             <a:endParaRPr lang="fr-BE"/>
           </a:p>
@@ -2585,7 +2603,7 @@
           <a:lstStyle/>
           <a:p>
             <a:r>
-              <a:rPr lang="fr-FR" smtClean="0"/>
+              <a:rPr lang="fr-FR"/>
               <a:t>Cliquez pour modifier le style du titre</a:t>
             </a:r>
             <a:endParaRPr lang="fr-BE"/>
@@ -2619,35 +2637,35 @@
           <a:p>
             <a:pPr lvl="0"/>
             <a:r>
-              <a:rPr lang="fr-FR" smtClean="0"/>
+              <a:rPr lang="fr-FR"/>
               <a:t>Cliquez pour modifier les styles du texte du masque</a:t>
             </a:r>
           </a:p>
           <a:p>
             <a:pPr lvl="1"/>
             <a:r>
-              <a:rPr lang="fr-FR" smtClean="0"/>
+              <a:rPr lang="fr-FR"/>
               <a:t>Deuxième niveau</a:t>
             </a:r>
           </a:p>
           <a:p>
             <a:pPr lvl="2"/>
             <a:r>
-              <a:rPr lang="fr-FR" smtClean="0"/>
+              <a:rPr lang="fr-FR"/>
               <a:t>Troisième niveau</a:t>
             </a:r>
           </a:p>
           <a:p>
             <a:pPr lvl="3"/>
             <a:r>
-              <a:rPr lang="fr-FR" smtClean="0"/>
+              <a:rPr lang="fr-FR"/>
               <a:t>Quatrième niveau</a:t>
             </a:r>
           </a:p>
           <a:p>
             <a:pPr lvl="4"/>
             <a:r>
-              <a:rPr lang="fr-FR" smtClean="0"/>
+              <a:rPr lang="fr-FR"/>
               <a:t>Cinquième niveau</a:t>
             </a:r>
             <a:endParaRPr lang="fr-BE"/>
@@ -2690,7 +2708,7 @@
             <a:fld id="{AA309A6D-C09C-4548-B29A-6CF363A7E532}" type="datetimeFigureOut">
               <a:rPr lang="fr-FR" smtClean="0"/>
               <a:pPr/>
-              <a:t>02/12/2014</a:t>
+              <a:t>30/01/2019</a:t>
             </a:fld>
             <a:endParaRPr lang="fr-BE"/>
           </a:p>
@@ -3472,18 +3490,13 @@
           <a:lstStyle/>
           <a:p>
             <a:r>
-              <a:rPr lang="fr-FR" sz="1000" dirty="0" smtClean="0">
+              <a:rPr lang="fr-FR" sz="1000" dirty="0">
                 <a:solidFill>
                   <a:srgbClr val="FF0000"/>
                 </a:solidFill>
               </a:rPr>
               <a:t>Roulis</a:t>
             </a:r>
-            <a:endParaRPr lang="fr-FR" sz="1000" dirty="0">
-              <a:solidFill>
-                <a:srgbClr val="FF0000"/>
-              </a:solidFill>
-            </a:endParaRPr>
           </a:p>
         </p:txBody>
       </p:sp>
@@ -3510,18 +3523,13 @@
           <a:lstStyle/>
           <a:p>
             <a:r>
-              <a:rPr lang="fr-FR" sz="1000" dirty="0" smtClean="0">
+              <a:rPr lang="fr-FR" sz="1000" dirty="0">
                 <a:solidFill>
                   <a:srgbClr val="FF0000"/>
                 </a:solidFill>
               </a:rPr>
               <a:t>Tangage</a:t>
             </a:r>
-            <a:endParaRPr lang="fr-FR" sz="1000" dirty="0">
-              <a:solidFill>
-                <a:srgbClr val="FF0000"/>
-              </a:solidFill>
-            </a:endParaRPr>
           </a:p>
         </p:txBody>
       </p:sp>
@@ -3658,15 +3666,15 @@
           <a:lstStyle/>
           <a:p>
             <a:r>
-              <a:rPr lang="fr-FR" sz="1000" dirty="0" smtClean="0"/>
+              <a:rPr lang="fr-FR" sz="1000" dirty="0"/>
               <a:t>Mobile Tangage </a:t>
             </a:r>
             <a:r>
-              <a:rPr lang="fr-FR" sz="1000" dirty="0" err="1" smtClean="0"/>
+              <a:rPr lang="fr-FR" sz="1000" dirty="0" err="1"/>
               <a:t>Inf</a:t>
             </a:r>
             <a:r>
-              <a:rPr lang="fr-FR" sz="1000" dirty="0" smtClean="0"/>
+              <a:rPr lang="fr-FR" sz="1000" dirty="0"/>
               <a:t> 1</a:t>
             </a:r>
           </a:p>
@@ -3676,7 +3684,7 @@
               <a:buChar char="•"/>
             </a:pPr>
             <a:r>
-              <a:rPr lang="fr-FR" sz="1000" dirty="0" smtClean="0"/>
+              <a:rPr lang="fr-FR" sz="1000" dirty="0"/>
               <a:t> Roue</a:t>
             </a:r>
           </a:p>
@@ -3686,50 +3694,40 @@
               <a:buChar char="•"/>
             </a:pPr>
             <a:r>
-              <a:rPr lang="fr-FR" sz="1000" dirty="0" smtClean="0"/>
+              <a:rPr lang="fr-FR" sz="1000" dirty="0"/>
               <a:t> Pignon</a:t>
             </a:r>
           </a:p>
           <a:p>
             <a:r>
-              <a:rPr lang="fr-FR" sz="1000" dirty="0" smtClean="0"/>
-              <a:t>Mobile </a:t>
-            </a:r>
-            <a:r>
-              <a:rPr lang="fr-FR" sz="1000" dirty="0" smtClean="0"/>
-              <a:t>Tangage </a:t>
-            </a:r>
-            <a:r>
-              <a:rPr lang="fr-FR" sz="1000" dirty="0" err="1" smtClean="0"/>
+              <a:rPr lang="fr-FR" sz="1000" dirty="0"/>
+              <a:t>Mobile Tangage </a:t>
+            </a:r>
+            <a:r>
+              <a:rPr lang="fr-FR" sz="1000" dirty="0" err="1"/>
               <a:t>Inf</a:t>
             </a:r>
             <a:r>
-              <a:rPr lang="fr-FR" sz="1000" dirty="0" smtClean="0"/>
+              <a:rPr lang="fr-FR" sz="1000" dirty="0"/>
               <a:t> 2</a:t>
             </a:r>
-            <a:endParaRPr lang="fr-FR" sz="1000" dirty="0" smtClean="0"/>
-          </a:p>
-          <a:p>
-            <a:r>
-              <a:rPr lang="fr-FR" sz="1000" dirty="0" smtClean="0"/>
-              <a:t>Mobile </a:t>
-            </a:r>
-            <a:r>
-              <a:rPr lang="fr-FR" sz="1000" dirty="0" smtClean="0"/>
-              <a:t>Tangage </a:t>
-            </a:r>
-            <a:r>
-              <a:rPr lang="fr-FR" sz="1000" dirty="0" err="1" smtClean="0"/>
+          </a:p>
+          <a:p>
+            <a:r>
+              <a:rPr lang="fr-FR" sz="1000" dirty="0"/>
+              <a:t>Mobile Tangage </a:t>
+            </a:r>
+            <a:r>
+              <a:rPr lang="fr-FR" sz="1000" dirty="0" err="1"/>
               <a:t>Inf</a:t>
             </a:r>
             <a:r>
-              <a:rPr lang="fr-FR" sz="1000" dirty="0" smtClean="0"/>
+              <a:rPr lang="fr-FR" sz="1000" dirty="0"/>
               <a:t> 3</a:t>
             </a:r>
-            <a:endParaRPr lang="fr-FR" sz="1000" dirty="0" smtClean="0"/>
-          </a:p>
-          <a:p>
-            <a:endParaRPr lang="fr-FR" sz="1000" dirty="0" smtClean="0"/>
+          </a:p>
+          <a:p>
+            <a:endParaRPr lang="fr-FR" sz="1000" dirty="0"/>
           </a:p>
         </p:txBody>
       </p:sp>
@@ -3841,6 +3839,734 @@
 </file>
 
 <file path=ppt/slides/slide3.xml><?xml version="1.0" encoding="utf-8"?>
+<p:sld xmlns:a="http://schemas.openxmlformats.org/drawingml/2006/main" xmlns:r="http://schemas.openxmlformats.org/officeDocument/2006/relationships" xmlns:p="http://schemas.openxmlformats.org/presentationml/2006/main">
+  <p:cSld>
+    <p:spTree>
+      <p:nvGrpSpPr>
+        <p:cNvPr id="1" name=""/>
+        <p:cNvGrpSpPr/>
+        <p:nvPr/>
+      </p:nvGrpSpPr>
+      <p:grpSpPr>
+        <a:xfrm>
+          <a:off x="0" y="0"/>
+          <a:ext cx="0" cy="0"/>
+          <a:chOff x="0" y="0"/>
+          <a:chExt cx="0" cy="0"/>
+        </a:xfrm>
+      </p:grpSpPr>
+      <p:pic>
+        <p:nvPicPr>
+          <p:cNvPr id="1027" name="Picture 3" descr="G:\Github\03_Etude_Cinematique_Systemes_Solides_Chaine_Energie_Analyser_Modeliser_Resoudre\06_CinematiquePoint\Applications_02_TransmissionNAO\images\Tangage_02.png"/>
+          <p:cNvPicPr>
+            <a:picLocks noChangeAspect="1" noChangeArrowheads="1"/>
+          </p:cNvPicPr>
+          <p:nvPr/>
+        </p:nvPicPr>
+        <p:blipFill>
+          <a:blip r:embed="rId2"/>
+          <a:srcRect/>
+          <a:stretch>
+            <a:fillRect/>
+          </a:stretch>
+        </p:blipFill>
+        <p:spPr bwMode="auto">
+          <a:xfrm>
+            <a:off x="1763688" y="908720"/>
+            <a:ext cx="3125634" cy="3073539"/>
+          </a:xfrm>
+          <a:prstGeom prst="rect">
+            <a:avLst/>
+          </a:prstGeom>
+          <a:noFill/>
+        </p:spPr>
+      </p:pic>
+      <p:sp>
+        <p:nvSpPr>
+          <p:cNvPr id="12" name="ZoneTexte 11">
+            <a:extLst>
+              <a:ext uri="{FF2B5EF4-FFF2-40B4-BE49-F238E27FC236}">
+                <a16:creationId xmlns:a16="http://schemas.microsoft.com/office/drawing/2014/main" id="{01EEF559-E9E2-495F-BC98-9FB237F4956E}"/>
+              </a:ext>
+            </a:extLst>
+          </p:cNvPr>
+          <p:cNvSpPr txBox="1"/>
+          <p:nvPr/>
+        </p:nvSpPr>
+        <p:spPr>
+          <a:xfrm>
+            <a:off x="4716016" y="2322476"/>
+            <a:ext cx="864096" cy="246221"/>
+          </a:xfrm>
+          <a:prstGeom prst="rect">
+            <a:avLst/>
+          </a:prstGeom>
+          <a:noFill/>
+        </p:spPr>
+        <p:txBody>
+          <a:bodyPr wrap="square" rtlCol="0">
+            <a:spAutoFit/>
+          </a:bodyPr>
+          <a:lstStyle/>
+          <a:p>
+            <a:r>
+              <a:rPr lang="fr-FR" sz="1000" dirty="0"/>
+              <a:t>Roue 3</a:t>
+            </a:r>
+          </a:p>
+        </p:txBody>
+      </p:sp>
+      <p:cxnSp>
+        <p:nvCxnSpPr>
+          <p:cNvPr id="13" name="Connecteur droit avec flèche 12">
+            <a:extLst>
+              <a:ext uri="{FF2B5EF4-FFF2-40B4-BE49-F238E27FC236}">
+                <a16:creationId xmlns:a16="http://schemas.microsoft.com/office/drawing/2014/main" id="{95434B29-D41E-414F-8A2C-E274C8875112}"/>
+              </a:ext>
+            </a:extLst>
+          </p:cNvPr>
+          <p:cNvCxnSpPr>
+            <a:cxnSpLocks/>
+            <a:stCxn id="12" idx="1"/>
+          </p:cNvCxnSpPr>
+          <p:nvPr/>
+        </p:nvCxnSpPr>
+        <p:spPr>
+          <a:xfrm flipH="1">
+            <a:off x="4499992" y="2445587"/>
+            <a:ext cx="216024" cy="191325"/>
+          </a:xfrm>
+          <a:prstGeom prst="straightConnector1">
+            <a:avLst/>
+          </a:prstGeom>
+          <a:ln>
+            <a:tailEnd type="stealth" w="sm" len="med"/>
+          </a:ln>
+        </p:spPr>
+        <p:style>
+          <a:lnRef idx="1">
+            <a:schemeClr val="accent1"/>
+          </a:lnRef>
+          <a:fillRef idx="0">
+            <a:schemeClr val="accent1"/>
+          </a:fillRef>
+          <a:effectRef idx="0">
+            <a:schemeClr val="accent1"/>
+          </a:effectRef>
+          <a:fontRef idx="minor">
+            <a:schemeClr val="tx1"/>
+          </a:fontRef>
+        </p:style>
+      </p:cxnSp>
+      <p:sp>
+        <p:nvSpPr>
+          <p:cNvPr id="21" name="ZoneTexte 20">
+            <a:extLst>
+              <a:ext uri="{FF2B5EF4-FFF2-40B4-BE49-F238E27FC236}">
+                <a16:creationId xmlns:a16="http://schemas.microsoft.com/office/drawing/2014/main" id="{9D9E5717-4C57-41BF-B4DA-B84D6996A7C7}"/>
+              </a:ext>
+            </a:extLst>
+          </p:cNvPr>
+          <p:cNvSpPr txBox="1"/>
+          <p:nvPr/>
+        </p:nvSpPr>
+        <p:spPr>
+          <a:xfrm>
+            <a:off x="4716016" y="2034444"/>
+            <a:ext cx="864096" cy="246221"/>
+          </a:xfrm>
+          <a:prstGeom prst="rect">
+            <a:avLst/>
+          </a:prstGeom>
+          <a:noFill/>
+        </p:spPr>
+        <p:txBody>
+          <a:bodyPr wrap="square" rtlCol="0">
+            <a:spAutoFit/>
+          </a:bodyPr>
+          <a:lstStyle/>
+          <a:p>
+            <a:r>
+              <a:rPr lang="fr-FR" sz="1000" dirty="0"/>
+              <a:t>Roue 2</a:t>
+            </a:r>
+          </a:p>
+        </p:txBody>
+      </p:sp>
+      <p:cxnSp>
+        <p:nvCxnSpPr>
+          <p:cNvPr id="22" name="Connecteur droit avec flèche 21">
+            <a:extLst>
+              <a:ext uri="{FF2B5EF4-FFF2-40B4-BE49-F238E27FC236}">
+                <a16:creationId xmlns:a16="http://schemas.microsoft.com/office/drawing/2014/main" id="{91490F51-3073-481A-A6AA-4E3D5922FA21}"/>
+              </a:ext>
+            </a:extLst>
+          </p:cNvPr>
+          <p:cNvCxnSpPr>
+            <a:cxnSpLocks/>
+            <a:stCxn id="21" idx="1"/>
+          </p:cNvCxnSpPr>
+          <p:nvPr/>
+        </p:nvCxnSpPr>
+        <p:spPr>
+          <a:xfrm flipH="1">
+            <a:off x="4355976" y="2157555"/>
+            <a:ext cx="360040" cy="318875"/>
+          </a:xfrm>
+          <a:prstGeom prst="straightConnector1">
+            <a:avLst/>
+          </a:prstGeom>
+          <a:ln>
+            <a:tailEnd type="stealth" w="sm" len="med"/>
+          </a:ln>
+        </p:spPr>
+        <p:style>
+          <a:lnRef idx="1">
+            <a:schemeClr val="accent1"/>
+          </a:lnRef>
+          <a:fillRef idx="0">
+            <a:schemeClr val="accent1"/>
+          </a:fillRef>
+          <a:effectRef idx="0">
+            <a:schemeClr val="accent1"/>
+          </a:effectRef>
+          <a:fontRef idx="minor">
+            <a:schemeClr val="tx1"/>
+          </a:fontRef>
+        </p:style>
+      </p:cxnSp>
+      <p:sp>
+        <p:nvSpPr>
+          <p:cNvPr id="24" name="ZoneTexte 23">
+            <a:extLst>
+              <a:ext uri="{FF2B5EF4-FFF2-40B4-BE49-F238E27FC236}">
+                <a16:creationId xmlns:a16="http://schemas.microsoft.com/office/drawing/2014/main" id="{0560E787-C133-4CF7-82BD-ED54A4E078EB}"/>
+              </a:ext>
+            </a:extLst>
+          </p:cNvPr>
+          <p:cNvSpPr txBox="1"/>
+          <p:nvPr/>
+        </p:nvSpPr>
+        <p:spPr>
+          <a:xfrm>
+            <a:off x="4716016" y="1746412"/>
+            <a:ext cx="864096" cy="246221"/>
+          </a:xfrm>
+          <a:prstGeom prst="rect">
+            <a:avLst/>
+          </a:prstGeom>
+          <a:noFill/>
+        </p:spPr>
+        <p:txBody>
+          <a:bodyPr wrap="square" rtlCol="0">
+            <a:spAutoFit/>
+          </a:bodyPr>
+          <a:lstStyle/>
+          <a:p>
+            <a:r>
+              <a:rPr lang="fr-FR" sz="1000" dirty="0"/>
+              <a:t>Roue 1</a:t>
+            </a:r>
+          </a:p>
+        </p:txBody>
+      </p:sp>
+      <p:cxnSp>
+        <p:nvCxnSpPr>
+          <p:cNvPr id="25" name="Connecteur droit avec flèche 24">
+            <a:extLst>
+              <a:ext uri="{FF2B5EF4-FFF2-40B4-BE49-F238E27FC236}">
+                <a16:creationId xmlns:a16="http://schemas.microsoft.com/office/drawing/2014/main" id="{D03885EB-445D-4B5E-A621-6A27BA6DCE9E}"/>
+              </a:ext>
+            </a:extLst>
+          </p:cNvPr>
+          <p:cNvCxnSpPr>
+            <a:cxnSpLocks/>
+            <a:stCxn id="24" idx="1"/>
+          </p:cNvCxnSpPr>
+          <p:nvPr/>
+        </p:nvCxnSpPr>
+        <p:spPr>
+          <a:xfrm flipH="1">
+            <a:off x="4283968" y="1869523"/>
+            <a:ext cx="432048" cy="382650"/>
+          </a:xfrm>
+          <a:prstGeom prst="straightConnector1">
+            <a:avLst/>
+          </a:prstGeom>
+          <a:ln>
+            <a:tailEnd type="stealth" w="sm" len="med"/>
+          </a:ln>
+        </p:spPr>
+        <p:style>
+          <a:lnRef idx="1">
+            <a:schemeClr val="accent1"/>
+          </a:lnRef>
+          <a:fillRef idx="0">
+            <a:schemeClr val="accent1"/>
+          </a:fillRef>
+          <a:effectRef idx="0">
+            <a:schemeClr val="accent1"/>
+          </a:effectRef>
+          <a:fontRef idx="minor">
+            <a:schemeClr val="tx1"/>
+          </a:fontRef>
+        </p:style>
+      </p:cxnSp>
+      <p:sp>
+        <p:nvSpPr>
+          <p:cNvPr id="26" name="ZoneTexte 25">
+            <a:extLst>
+              <a:ext uri="{FF2B5EF4-FFF2-40B4-BE49-F238E27FC236}">
+                <a16:creationId xmlns:a16="http://schemas.microsoft.com/office/drawing/2014/main" id="{F7D28C40-8C16-4F90-9B22-2BFAE9746842}"/>
+              </a:ext>
+            </a:extLst>
+          </p:cNvPr>
+          <p:cNvSpPr txBox="1"/>
+          <p:nvPr/>
+        </p:nvSpPr>
+        <p:spPr>
+          <a:xfrm>
+            <a:off x="4716016" y="1484784"/>
+            <a:ext cx="1008112" cy="246221"/>
+          </a:xfrm>
+          <a:prstGeom prst="rect">
+            <a:avLst/>
+          </a:prstGeom>
+          <a:noFill/>
+        </p:spPr>
+        <p:txBody>
+          <a:bodyPr wrap="square" rtlCol="0">
+            <a:spAutoFit/>
+          </a:bodyPr>
+          <a:lstStyle/>
+          <a:p>
+            <a:r>
+              <a:rPr lang="fr-FR" sz="1000" dirty="0"/>
+              <a:t>Pignon moteur</a:t>
+            </a:r>
+          </a:p>
+        </p:txBody>
+      </p:sp>
+      <p:cxnSp>
+        <p:nvCxnSpPr>
+          <p:cNvPr id="27" name="Connecteur droit avec flèche 26">
+            <a:extLst>
+              <a:ext uri="{FF2B5EF4-FFF2-40B4-BE49-F238E27FC236}">
+                <a16:creationId xmlns:a16="http://schemas.microsoft.com/office/drawing/2014/main" id="{8A13A4B6-B7CD-4D30-98E2-80ED9EDD47A5}"/>
+              </a:ext>
+            </a:extLst>
+          </p:cNvPr>
+          <p:cNvCxnSpPr>
+            <a:cxnSpLocks/>
+            <a:stCxn id="26" idx="1"/>
+          </p:cNvCxnSpPr>
+          <p:nvPr/>
+        </p:nvCxnSpPr>
+        <p:spPr>
+          <a:xfrm flipH="1">
+            <a:off x="4204590" y="1607895"/>
+            <a:ext cx="511426" cy="452953"/>
+          </a:xfrm>
+          <a:prstGeom prst="straightConnector1">
+            <a:avLst/>
+          </a:prstGeom>
+          <a:ln>
+            <a:tailEnd type="stealth" w="sm" len="med"/>
+          </a:ln>
+        </p:spPr>
+        <p:style>
+          <a:lnRef idx="1">
+            <a:schemeClr val="accent1"/>
+          </a:lnRef>
+          <a:fillRef idx="0">
+            <a:schemeClr val="accent1"/>
+          </a:fillRef>
+          <a:effectRef idx="0">
+            <a:schemeClr val="accent1"/>
+          </a:effectRef>
+          <a:fontRef idx="minor">
+            <a:schemeClr val="tx1"/>
+          </a:fontRef>
+        </p:style>
+      </p:cxnSp>
+    </p:spTree>
+    <p:extLst>
+      <p:ext uri="{BB962C8B-B14F-4D97-AF65-F5344CB8AC3E}">
+        <p14:creationId xmlns:p14="http://schemas.microsoft.com/office/powerpoint/2010/main" val="3656549026"/>
+      </p:ext>
+    </p:extLst>
+  </p:cSld>
+  <p:clrMapOvr>
+    <a:masterClrMapping/>
+  </p:clrMapOvr>
+</p:sld>
+</file>
+
+<file path=ppt/slides/slide4.xml><?xml version="1.0" encoding="utf-8"?>
+<p:sld xmlns:a="http://schemas.openxmlformats.org/drawingml/2006/main" xmlns:r="http://schemas.openxmlformats.org/officeDocument/2006/relationships" xmlns:p="http://schemas.openxmlformats.org/presentationml/2006/main">
+  <p:cSld>
+    <p:spTree>
+      <p:nvGrpSpPr>
+        <p:cNvPr id="1" name=""/>
+        <p:cNvGrpSpPr/>
+        <p:nvPr/>
+      </p:nvGrpSpPr>
+      <p:grpSpPr>
+        <a:xfrm>
+          <a:off x="0" y="0"/>
+          <a:ext cx="0" cy="0"/>
+          <a:chOff x="0" y="0"/>
+          <a:chExt cx="0" cy="0"/>
+        </a:xfrm>
+      </p:grpSpPr>
+      <p:pic>
+        <p:nvPicPr>
+          <p:cNvPr id="1028" name="Picture 4" descr="G:\Github\03_Etude_Cinematique_Systemes_Solides_Chaine_Energie_Analyser_Modeliser_Resoudre\06_CinematiquePoint\Applications_02_TransmissionNAO\images\Roulis_02.png"/>
+          <p:cNvPicPr>
+            <a:picLocks noChangeAspect="1" noChangeArrowheads="1"/>
+          </p:cNvPicPr>
+          <p:nvPr/>
+        </p:nvPicPr>
+        <p:blipFill>
+          <a:blip r:embed="rId2"/>
+          <a:srcRect/>
+          <a:stretch>
+            <a:fillRect/>
+          </a:stretch>
+        </p:blipFill>
+        <p:spPr bwMode="auto">
+          <a:xfrm>
+            <a:off x="3059832" y="1195529"/>
+            <a:ext cx="2010439" cy="2882765"/>
+          </a:xfrm>
+          <a:prstGeom prst="rect">
+            <a:avLst/>
+          </a:prstGeom>
+          <a:noFill/>
+        </p:spPr>
+      </p:pic>
+      <p:sp>
+        <p:nvSpPr>
+          <p:cNvPr id="9" name="ZoneTexte 8">
+            <a:extLst>
+              <a:ext uri="{FF2B5EF4-FFF2-40B4-BE49-F238E27FC236}">
+                <a16:creationId xmlns:a16="http://schemas.microsoft.com/office/drawing/2014/main" id="{37AB57BE-FD66-43D0-BE31-0C593321508D}"/>
+              </a:ext>
+            </a:extLst>
+          </p:cNvPr>
+          <p:cNvSpPr txBox="1"/>
+          <p:nvPr/>
+        </p:nvSpPr>
+        <p:spPr>
+          <a:xfrm>
+            <a:off x="4407312" y="2463331"/>
+            <a:ext cx="1100792" cy="246221"/>
+          </a:xfrm>
+          <a:prstGeom prst="rect">
+            <a:avLst/>
+          </a:prstGeom>
+          <a:noFill/>
+        </p:spPr>
+        <p:txBody>
+          <a:bodyPr wrap="square" rtlCol="0">
+            <a:spAutoFit/>
+          </a:bodyPr>
+          <a:lstStyle/>
+          <a:p>
+            <a:r>
+              <a:rPr lang="fr-FR" sz="1000" dirty="0"/>
+              <a:t>Pignon moteur</a:t>
+            </a:r>
+          </a:p>
+        </p:txBody>
+      </p:sp>
+      <p:cxnSp>
+        <p:nvCxnSpPr>
+          <p:cNvPr id="10" name="Connecteur droit avec flèche 9">
+            <a:extLst>
+              <a:ext uri="{FF2B5EF4-FFF2-40B4-BE49-F238E27FC236}">
+                <a16:creationId xmlns:a16="http://schemas.microsoft.com/office/drawing/2014/main" id="{8E737EB2-E373-4CA9-9F64-2D9F6F88EEA1}"/>
+              </a:ext>
+            </a:extLst>
+          </p:cNvPr>
+          <p:cNvCxnSpPr>
+            <a:cxnSpLocks/>
+            <a:stCxn id="9" idx="1"/>
+          </p:cNvCxnSpPr>
+          <p:nvPr/>
+        </p:nvCxnSpPr>
+        <p:spPr>
+          <a:xfrm flipH="1">
+            <a:off x="4067944" y="2586442"/>
+            <a:ext cx="339368" cy="282821"/>
+          </a:xfrm>
+          <a:prstGeom prst="straightConnector1">
+            <a:avLst/>
+          </a:prstGeom>
+          <a:ln>
+            <a:tailEnd type="stealth" w="sm" len="med"/>
+          </a:ln>
+        </p:spPr>
+        <p:style>
+          <a:lnRef idx="1">
+            <a:schemeClr val="accent1"/>
+          </a:lnRef>
+          <a:fillRef idx="0">
+            <a:schemeClr val="accent1"/>
+          </a:fillRef>
+          <a:effectRef idx="0">
+            <a:schemeClr val="accent1"/>
+          </a:effectRef>
+          <a:fontRef idx="minor">
+            <a:schemeClr val="tx1"/>
+          </a:fontRef>
+        </p:style>
+      </p:cxnSp>
+      <p:sp>
+        <p:nvSpPr>
+          <p:cNvPr id="20" name="ZoneTexte 19">
+            <a:extLst>
+              <a:ext uri="{FF2B5EF4-FFF2-40B4-BE49-F238E27FC236}">
+                <a16:creationId xmlns:a16="http://schemas.microsoft.com/office/drawing/2014/main" id="{AA4D29F5-72B6-445F-A0C4-115191314329}"/>
+              </a:ext>
+            </a:extLst>
+          </p:cNvPr>
+          <p:cNvSpPr txBox="1"/>
+          <p:nvPr/>
+        </p:nvSpPr>
+        <p:spPr>
+          <a:xfrm>
+            <a:off x="4407312" y="2204864"/>
+            <a:ext cx="1100792" cy="246221"/>
+          </a:xfrm>
+          <a:prstGeom prst="rect">
+            <a:avLst/>
+          </a:prstGeom>
+          <a:noFill/>
+        </p:spPr>
+        <p:txBody>
+          <a:bodyPr wrap="square" rtlCol="0">
+            <a:spAutoFit/>
+          </a:bodyPr>
+          <a:lstStyle/>
+          <a:p>
+            <a:r>
+              <a:rPr lang="fr-FR" sz="1000" dirty="0"/>
+              <a:t>Roue 1</a:t>
+            </a:r>
+          </a:p>
+        </p:txBody>
+      </p:sp>
+      <p:cxnSp>
+        <p:nvCxnSpPr>
+          <p:cNvPr id="21" name="Connecteur droit avec flèche 20">
+            <a:extLst>
+              <a:ext uri="{FF2B5EF4-FFF2-40B4-BE49-F238E27FC236}">
+                <a16:creationId xmlns:a16="http://schemas.microsoft.com/office/drawing/2014/main" id="{7FFF8FAA-05EC-457B-AECE-60D73F17504B}"/>
+              </a:ext>
+            </a:extLst>
+          </p:cNvPr>
+          <p:cNvCxnSpPr>
+            <a:cxnSpLocks/>
+            <a:stCxn id="20" idx="1"/>
+          </p:cNvCxnSpPr>
+          <p:nvPr/>
+        </p:nvCxnSpPr>
+        <p:spPr>
+          <a:xfrm flipH="1">
+            <a:off x="3934748" y="2327975"/>
+            <a:ext cx="472564" cy="393823"/>
+          </a:xfrm>
+          <a:prstGeom prst="straightConnector1">
+            <a:avLst/>
+          </a:prstGeom>
+          <a:ln>
+            <a:tailEnd type="stealth" w="sm" len="med"/>
+          </a:ln>
+        </p:spPr>
+        <p:style>
+          <a:lnRef idx="1">
+            <a:schemeClr val="accent1"/>
+          </a:lnRef>
+          <a:fillRef idx="0">
+            <a:schemeClr val="accent1"/>
+          </a:fillRef>
+          <a:effectRef idx="0">
+            <a:schemeClr val="accent1"/>
+          </a:effectRef>
+          <a:fontRef idx="minor">
+            <a:schemeClr val="tx1"/>
+          </a:fontRef>
+        </p:style>
+      </p:cxnSp>
+      <p:sp>
+        <p:nvSpPr>
+          <p:cNvPr id="22" name="ZoneTexte 21">
+            <a:extLst>
+              <a:ext uri="{FF2B5EF4-FFF2-40B4-BE49-F238E27FC236}">
+                <a16:creationId xmlns:a16="http://schemas.microsoft.com/office/drawing/2014/main" id="{F72EF14D-3A3C-4DEE-B029-BEA43383F8BC}"/>
+              </a:ext>
+            </a:extLst>
+          </p:cNvPr>
+          <p:cNvSpPr txBox="1"/>
+          <p:nvPr/>
+        </p:nvSpPr>
+        <p:spPr>
+          <a:xfrm>
+            <a:off x="4407312" y="1988840"/>
+            <a:ext cx="1100792" cy="246221"/>
+          </a:xfrm>
+          <a:prstGeom prst="rect">
+            <a:avLst/>
+          </a:prstGeom>
+          <a:noFill/>
+        </p:spPr>
+        <p:txBody>
+          <a:bodyPr wrap="square" rtlCol="0">
+            <a:spAutoFit/>
+          </a:bodyPr>
+          <a:lstStyle/>
+          <a:p>
+            <a:r>
+              <a:rPr lang="fr-FR" sz="1000" dirty="0"/>
+              <a:t>Roue 3</a:t>
+            </a:r>
+          </a:p>
+        </p:txBody>
+      </p:sp>
+      <p:cxnSp>
+        <p:nvCxnSpPr>
+          <p:cNvPr id="24" name="Connecteur droit avec flèche 23">
+            <a:extLst>
+              <a:ext uri="{FF2B5EF4-FFF2-40B4-BE49-F238E27FC236}">
+                <a16:creationId xmlns:a16="http://schemas.microsoft.com/office/drawing/2014/main" id="{B0DA292A-2E26-4060-8636-47B367A01FE2}"/>
+              </a:ext>
+            </a:extLst>
+          </p:cNvPr>
+          <p:cNvCxnSpPr>
+            <a:cxnSpLocks/>
+            <a:stCxn id="22" idx="1"/>
+          </p:cNvCxnSpPr>
+          <p:nvPr/>
+        </p:nvCxnSpPr>
+        <p:spPr>
+          <a:xfrm flipH="1">
+            <a:off x="3690227" y="2111951"/>
+            <a:ext cx="717085" cy="597601"/>
+          </a:xfrm>
+          <a:prstGeom prst="straightConnector1">
+            <a:avLst/>
+          </a:prstGeom>
+          <a:ln>
+            <a:tailEnd type="stealth" w="sm" len="med"/>
+          </a:ln>
+        </p:spPr>
+        <p:style>
+          <a:lnRef idx="1">
+            <a:schemeClr val="accent1"/>
+          </a:lnRef>
+          <a:fillRef idx="0">
+            <a:schemeClr val="accent1"/>
+          </a:fillRef>
+          <a:effectRef idx="0">
+            <a:schemeClr val="accent1"/>
+          </a:effectRef>
+          <a:fontRef idx="minor">
+            <a:schemeClr val="tx1"/>
+          </a:fontRef>
+        </p:style>
+      </p:cxnSp>
+      <p:sp>
+        <p:nvSpPr>
+          <p:cNvPr id="26" name="ZoneTexte 25">
+            <a:extLst>
+              <a:ext uri="{FF2B5EF4-FFF2-40B4-BE49-F238E27FC236}">
+                <a16:creationId xmlns:a16="http://schemas.microsoft.com/office/drawing/2014/main" id="{8AC80178-EF15-488A-9F6F-86C8AAB3AEDB}"/>
+              </a:ext>
+            </a:extLst>
+          </p:cNvPr>
+          <p:cNvSpPr txBox="1"/>
+          <p:nvPr/>
+        </p:nvSpPr>
+        <p:spPr>
+          <a:xfrm>
+            <a:off x="4572000" y="2814712"/>
+            <a:ext cx="720080" cy="246221"/>
+          </a:xfrm>
+          <a:prstGeom prst="rect">
+            <a:avLst/>
+          </a:prstGeom>
+          <a:noFill/>
+        </p:spPr>
+        <p:txBody>
+          <a:bodyPr wrap="square" rtlCol="0">
+            <a:spAutoFit/>
+          </a:bodyPr>
+          <a:lstStyle/>
+          <a:p>
+            <a:r>
+              <a:rPr lang="fr-FR" sz="1000" dirty="0"/>
+              <a:t>Roue 2</a:t>
+            </a:r>
+          </a:p>
+        </p:txBody>
+      </p:sp>
+      <p:cxnSp>
+        <p:nvCxnSpPr>
+          <p:cNvPr id="27" name="Connecteur droit avec flèche 26">
+            <a:extLst>
+              <a:ext uri="{FF2B5EF4-FFF2-40B4-BE49-F238E27FC236}">
+                <a16:creationId xmlns:a16="http://schemas.microsoft.com/office/drawing/2014/main" id="{67EE2C56-87F7-4D2B-B21A-0E75151C0308}"/>
+              </a:ext>
+            </a:extLst>
+          </p:cNvPr>
+          <p:cNvCxnSpPr>
+            <a:cxnSpLocks/>
+            <a:stCxn id="26" idx="1"/>
+          </p:cNvCxnSpPr>
+          <p:nvPr/>
+        </p:nvCxnSpPr>
+        <p:spPr>
+          <a:xfrm flipH="1">
+            <a:off x="3923928" y="2937823"/>
+            <a:ext cx="648072" cy="123110"/>
+          </a:xfrm>
+          <a:prstGeom prst="straightConnector1">
+            <a:avLst/>
+          </a:prstGeom>
+          <a:ln>
+            <a:tailEnd type="stealth" w="sm" len="med"/>
+          </a:ln>
+        </p:spPr>
+        <p:style>
+          <a:lnRef idx="1">
+            <a:schemeClr val="accent1"/>
+          </a:lnRef>
+          <a:fillRef idx="0">
+            <a:schemeClr val="accent1"/>
+          </a:fillRef>
+          <a:effectRef idx="0">
+            <a:schemeClr val="accent1"/>
+          </a:effectRef>
+          <a:fontRef idx="minor">
+            <a:schemeClr val="tx1"/>
+          </a:fontRef>
+        </p:style>
+      </p:cxnSp>
+    </p:spTree>
+    <p:extLst>
+      <p:ext uri="{BB962C8B-B14F-4D97-AF65-F5344CB8AC3E}">
+        <p14:creationId xmlns:p14="http://schemas.microsoft.com/office/powerpoint/2010/main" val="174363662"/>
+      </p:ext>
+    </p:extLst>
+  </p:cSld>
+  <p:clrMapOvr>
+    <a:masterClrMapping/>
+  </p:clrMapOvr>
+</p:sld>
+</file>
+
+<file path=ppt/slides/slide5.xml><?xml version="1.0" encoding="utf-8"?>
 <p:sld xmlns:a="http://schemas.openxmlformats.org/drawingml/2006/main" xmlns:r="http://schemas.openxmlformats.org/officeDocument/2006/relationships" xmlns:p="http://schemas.openxmlformats.org/presentationml/2006/main">
   <p:cSld>
     <p:spTree>
@@ -3906,15 +4632,15 @@
           <a:lstStyle/>
           <a:p>
             <a:r>
-              <a:rPr lang="fr-FR" sz="1000" dirty="0" smtClean="0"/>
+              <a:rPr lang="fr-FR" sz="1000" dirty="0"/>
               <a:t>Mobile Tangage </a:t>
             </a:r>
             <a:r>
-              <a:rPr lang="fr-FR" sz="1000" dirty="0" err="1" smtClean="0"/>
+              <a:rPr lang="fr-FR" sz="1000" dirty="0" err="1"/>
               <a:t>Inf</a:t>
             </a:r>
             <a:r>
-              <a:rPr lang="fr-FR" sz="1000" dirty="0" smtClean="0"/>
+              <a:rPr lang="fr-FR" sz="1000" dirty="0"/>
               <a:t> 1</a:t>
             </a:r>
           </a:p>
@@ -3924,7 +4650,7 @@
               <a:buChar char="•"/>
             </a:pPr>
             <a:r>
-              <a:rPr lang="fr-FR" sz="1000" dirty="0" smtClean="0"/>
+              <a:rPr lang="fr-FR" sz="1000" dirty="0"/>
               <a:t> Roue</a:t>
             </a:r>
           </a:p>
@@ -3934,50 +4660,40 @@
               <a:buChar char="•"/>
             </a:pPr>
             <a:r>
-              <a:rPr lang="fr-FR" sz="1000" dirty="0" smtClean="0"/>
+              <a:rPr lang="fr-FR" sz="1000" dirty="0"/>
               <a:t> Pignon</a:t>
             </a:r>
           </a:p>
           <a:p>
             <a:r>
-              <a:rPr lang="fr-FR" sz="1000" dirty="0" smtClean="0"/>
-              <a:t>Mobile </a:t>
-            </a:r>
-            <a:r>
-              <a:rPr lang="fr-FR" sz="1000" dirty="0" smtClean="0"/>
-              <a:t>Tangage </a:t>
-            </a:r>
-            <a:r>
-              <a:rPr lang="fr-FR" sz="1000" dirty="0" err="1" smtClean="0"/>
+              <a:rPr lang="fr-FR" sz="1000" dirty="0"/>
+              <a:t>Mobile Tangage </a:t>
+            </a:r>
+            <a:r>
+              <a:rPr lang="fr-FR" sz="1000" dirty="0" err="1"/>
               <a:t>Inf</a:t>
             </a:r>
             <a:r>
-              <a:rPr lang="fr-FR" sz="1000" dirty="0" smtClean="0"/>
+              <a:rPr lang="fr-FR" sz="1000" dirty="0"/>
               <a:t> 2</a:t>
             </a:r>
-            <a:endParaRPr lang="fr-FR" sz="1000" dirty="0" smtClean="0"/>
-          </a:p>
-          <a:p>
-            <a:r>
-              <a:rPr lang="fr-FR" sz="1000" dirty="0" smtClean="0"/>
-              <a:t>Mobile </a:t>
-            </a:r>
-            <a:r>
-              <a:rPr lang="fr-FR" sz="1000" dirty="0" smtClean="0"/>
-              <a:t>Tangage </a:t>
-            </a:r>
-            <a:r>
-              <a:rPr lang="fr-FR" sz="1000" dirty="0" err="1" smtClean="0"/>
+          </a:p>
+          <a:p>
+            <a:r>
+              <a:rPr lang="fr-FR" sz="1000" dirty="0"/>
+              <a:t>Mobile Tangage </a:t>
+            </a:r>
+            <a:r>
+              <a:rPr lang="fr-FR" sz="1000" dirty="0" err="1"/>
               <a:t>Inf</a:t>
             </a:r>
             <a:r>
-              <a:rPr lang="fr-FR" sz="1000" dirty="0" smtClean="0"/>
+              <a:rPr lang="fr-FR" sz="1000" dirty="0"/>
               <a:t> 3</a:t>
             </a:r>
-            <a:endParaRPr lang="fr-FR" sz="1000" dirty="0" smtClean="0"/>
-          </a:p>
-          <a:p>
-            <a:endParaRPr lang="fr-FR" sz="1000" dirty="0" smtClean="0"/>
+          </a:p>
+          <a:p>
+            <a:endParaRPr lang="fr-FR" sz="1000" dirty="0"/>
           </a:p>
         </p:txBody>
       </p:sp>
@@ -4097,7 +4813,7 @@
         </p:blipFill>
         <p:spPr bwMode="auto">
           <a:xfrm>
-            <a:off x="6072198" y="2714620"/>
+            <a:off x="7490069" y="3429000"/>
             <a:ext cx="1668000" cy="2160000"/>
           </a:xfrm>
           <a:prstGeom prst="rect">
